--- a/CARTSS-ITSS - Data Scraping - Keegan.pptx
+++ b/CARTSS-ITSS - Data Scraping - Keegan.pptx
@@ -5,14 +5,16 @@
     <p:sldMasterId id="2147483648" r:id="rId1"/>
   </p:sldMasterIdLst>
   <p:notesMasterIdLst>
-    <p:notesMasterId r:id="rId7"/>
+    <p:notesMasterId r:id="rId9"/>
   </p:notesMasterIdLst>
   <p:sldIdLst>
     <p:sldId id="256" r:id="rId2"/>
     <p:sldId id="257" r:id="rId3"/>
     <p:sldId id="259" r:id="rId4"/>
-    <p:sldId id="258" r:id="rId5"/>
-    <p:sldId id="260" r:id="rId6"/>
+    <p:sldId id="262" r:id="rId5"/>
+    <p:sldId id="261" r:id="rId6"/>
+    <p:sldId id="258" r:id="rId7"/>
+    <p:sldId id="260" r:id="rId8"/>
   </p:sldIdLst>
   <p:sldSz cx="12192000" cy="6858000"/>
   <p:notesSz cx="6858000" cy="9144000"/>
@@ -650,7 +652,7 @@
           <a:effectLst/>
           <a:extLst>
             <a:ext uri="{91240B29-F687-4f45-9708-019B960494DF}">
-              <a14:hiddenLine xmlns="" xmlns:a14="http://schemas.microsoft.com/office/drawing/2010/main" w="9525">
+              <a14:hiddenLine xmlns:a14="http://schemas.microsoft.com/office/drawing/2010/main" xmlns="" w="9525">
                 <a:solidFill>
                   <a:srgbClr val="000000"/>
                 </a:solidFill>
@@ -2170,7 +2172,7 @@
           <a:ln/>
           <a:extLst>
             <a:ext uri="{91240B29-F687-4f45-9708-019B960494DF}">
-              <a14:hiddenLine xmlns="" xmlns:a14="http://schemas.microsoft.com/office/drawing/2010/main" w="9525">
+              <a14:hiddenLine xmlns:a14="http://schemas.microsoft.com/office/drawing/2010/main" xmlns="" w="9525">
                 <a:solidFill>
                   <a:srgbClr val="000000"/>
                 </a:solidFill>
@@ -2441,7 +2443,7 @@
           <a:ln/>
           <a:extLst>
             <a:ext uri="{91240B29-F687-4f45-9708-019B960494DF}">
-              <a14:hiddenLine xmlns="" xmlns:a14="http://schemas.microsoft.com/office/drawing/2010/main" w="9525">
+              <a14:hiddenLine xmlns:a14="http://schemas.microsoft.com/office/drawing/2010/main" xmlns="" w="9525">
                 <a:solidFill>
                   <a:srgbClr val="000000"/>
                 </a:solidFill>
@@ -2720,7 +2722,7 @@
           <a:ln/>
           <a:extLst>
             <a:ext uri="{91240B29-F687-4f45-9708-019B960494DF}">
-              <a14:hiddenLine xmlns="" xmlns:a14="http://schemas.microsoft.com/office/drawing/2010/main" w="9525">
+              <a14:hiddenLine xmlns:a14="http://schemas.microsoft.com/office/drawing/2010/main" xmlns="" w="9525">
                 <a:solidFill>
                   <a:srgbClr val="000000"/>
                 </a:solidFill>
@@ -3353,7 +3355,7 @@
           <a:ln/>
           <a:extLst>
             <a:ext uri="{91240B29-F687-4f45-9708-019B960494DF}">
-              <a14:hiddenLine xmlns="" xmlns:a14="http://schemas.microsoft.com/office/drawing/2010/main" w="9525">
+              <a14:hiddenLine xmlns:a14="http://schemas.microsoft.com/office/drawing/2010/main" xmlns="" w="9525">
                 <a:solidFill>
                   <a:srgbClr val="000000"/>
                 </a:solidFill>
@@ -3708,7 +3710,7 @@
           <a:ln/>
           <a:extLst>
             <a:ext uri="{91240B29-F687-4f45-9708-019B960494DF}">
-              <a14:hiddenLine xmlns="" xmlns:a14="http://schemas.microsoft.com/office/drawing/2010/main" w="9525">
+              <a14:hiddenLine xmlns:a14="http://schemas.microsoft.com/office/drawing/2010/main" xmlns="" w="9525">
                 <a:solidFill>
                   <a:srgbClr val="000000"/>
                 </a:solidFill>
@@ -4186,7 +4188,7 @@
           <a:ln/>
           <a:extLst>
             <a:ext uri="{91240B29-F687-4f45-9708-019B960494DF}">
-              <a14:hiddenLine xmlns="" xmlns:a14="http://schemas.microsoft.com/office/drawing/2010/main" w="9525">
+              <a14:hiddenLine xmlns:a14="http://schemas.microsoft.com/office/drawing/2010/main" xmlns="" w="9525">
                 <a:solidFill>
                   <a:srgbClr val="000000"/>
                 </a:solidFill>
@@ -4627,7 +4629,7 @@
           <a:ln/>
           <a:extLst>
             <a:ext uri="{91240B29-F687-4f45-9708-019B960494DF}">
-              <a14:hiddenLine xmlns="" xmlns:a14="http://schemas.microsoft.com/office/drawing/2010/main" w="9525">
+              <a14:hiddenLine xmlns:a14="http://schemas.microsoft.com/office/drawing/2010/main" xmlns="" w="9525">
                 <a:solidFill>
                   <a:srgbClr val="000000"/>
                 </a:solidFill>
@@ -6397,7 +6399,7 @@
           <p:cNvPr id="2" name="Title 1">
             <a:extLst>
               <a:ext uri="{FF2B5EF4-FFF2-40B4-BE49-F238E27FC236}">
-                <a16:creationId xmlns:a16="http://schemas.microsoft.com/office/drawing/2014/main" id="{BE36C33C-4A90-1F48-AAE8-FDE5A1230D6E}"/>
+                <a16:creationId xmlns:a16="http://schemas.microsoft.com/office/drawing/2014/main" id="{788B032C-EB02-D441-8A1D-9EC18AE2F6AA}"/>
               </a:ext>
             </a:extLst>
           </p:cNvPr>
@@ -6414,20 +6416,8 @@
           <a:lstStyle/>
           <a:p>
             <a:r>
-              <a:rPr lang="en-US" dirty="0" err="1"/>
-              <a:t>Deen</a:t>
-            </a:r>
-            <a:r>
               <a:rPr lang="en-US" dirty="0"/>
-              <a:t> </a:t>
-            </a:r>
-            <a:r>
-              <a:rPr lang="en-US" dirty="0" err="1"/>
-              <a:t>Freelon</a:t>
-            </a:r>
-            <a:r>
-              <a:rPr lang="en-US" dirty="0"/>
-              <a:t> on the “Post-API Era”</a:t>
+              <a:t>Your goals?</a:t>
             </a:r>
           </a:p>
         </p:txBody>
@@ -6437,7 +6427,7 @@
           <p:cNvPr id="3" name="Content Placeholder 2">
             <a:extLst>
               <a:ext uri="{FF2B5EF4-FFF2-40B4-BE49-F238E27FC236}">
-                <a16:creationId xmlns:a16="http://schemas.microsoft.com/office/drawing/2014/main" id="{490FB201-9B3B-6D48-B1E1-C34B822F9E32}"/>
+                <a16:creationId xmlns:a16="http://schemas.microsoft.com/office/drawing/2014/main" id="{FE32C0D3-69F5-E14C-A9D5-74163E823F64}"/>
               </a:ext>
             </a:extLst>
           </p:cNvPr>
@@ -6453,75 +6443,7 @@
           <a:bodyPr/>
           <a:lstStyle/>
           <a:p>
-            <a:r>
-              <a:rPr lang="en-US" dirty="0"/>
-              <a:t>Social Media &amp; Politics podcast, Episode 53 (August 12, 2018): </a:t>
-            </a:r>
-          </a:p>
-          <a:p>
-            <a:pPr lvl="1"/>
-            <a:r>
-              <a:rPr lang="en-US" dirty="0">
-                <a:hlinkClick r:id="rId2"/>
-              </a:rPr>
-              <a:t>https://socialmediaandpolitics.org/53-digital-methods-post-api-era-deen-freelon/</a:t>
-            </a:r>
-            <a:r>
-              <a:rPr lang="en-US" dirty="0"/>
-              <a:t> </a:t>
-            </a:r>
-          </a:p>
-          <a:p>
-            <a:pPr lvl="1"/>
-            <a:endParaRPr lang="en-US" dirty="0"/>
-          </a:p>
-          <a:p>
-            <a:r>
-              <a:rPr lang="en-US" dirty="0"/>
-              <a:t>Social media platform API access is being severely curtailed following Cambridge Analytica, </a:t>
-            </a:r>
-            <a:r>
-              <a:rPr lang="en-US" i="1" dirty="0"/>
-              <a:t>et al</a:t>
-            </a:r>
-            <a:r>
-              <a:rPr lang="en-US" dirty="0"/>
-              <a:t>. scandals</a:t>
-            </a:r>
-          </a:p>
-          <a:p>
-            <a:pPr lvl="1"/>
-            <a:r>
-              <a:rPr lang="en-US" dirty="0"/>
-              <a:t>Facebook: </a:t>
-            </a:r>
-            <a:r>
-              <a:rPr lang="en-US" dirty="0">
-                <a:hlinkClick r:id="rId3"/>
-              </a:rPr>
-              <a:t>https://newsroom.fb.com/news/2018/07/a-platform-update/</a:t>
-            </a:r>
-            <a:r>
-              <a:rPr lang="en-US" dirty="0"/>
-              <a:t> </a:t>
-            </a:r>
-          </a:p>
-          <a:p>
-            <a:pPr lvl="1"/>
-            <a:r>
-              <a:rPr lang="en-US" dirty="0"/>
-              <a:t>Twitter: </a:t>
-            </a:r>
-            <a:r>
-              <a:rPr lang="en-US" dirty="0">
-                <a:hlinkClick r:id="rId4"/>
-              </a:rPr>
-              <a:t>https://blog.twitter.com/developer/en_us/topics/tools/2018/new-developer-requirements-to-protect-our-platform.html</a:t>
-            </a:r>
-            <a:r>
-              <a:rPr lang="en-US" dirty="0"/>
-              <a:t> </a:t>
-            </a:r>
+            <a:endParaRPr lang="en-US"/>
           </a:p>
         </p:txBody>
       </p:sp>
@@ -6530,7 +6452,7 @@
           <p:cNvPr id="4" name="Slide Number Placeholder 3">
             <a:extLst>
               <a:ext uri="{FF2B5EF4-FFF2-40B4-BE49-F238E27FC236}">
-                <a16:creationId xmlns:a16="http://schemas.microsoft.com/office/drawing/2014/main" id="{C735986F-38A9-A146-8300-F5B94C892A5D}"/>
+                <a16:creationId xmlns:a16="http://schemas.microsoft.com/office/drawing/2014/main" id="{BE34356C-B78D-BF45-8039-986B9C244B31}"/>
               </a:ext>
             </a:extLst>
           </p:cNvPr>
@@ -6558,7 +6480,7 @@
     </p:spTree>
     <p:extLst>
       <p:ext uri="{BB962C8B-B14F-4D97-AF65-F5344CB8AC3E}">
-        <p14:creationId xmlns:p14="http://schemas.microsoft.com/office/powerpoint/2010/main" val="2625148690"/>
+        <p14:creationId xmlns:p14="http://schemas.microsoft.com/office/powerpoint/2010/main" val="1594051271"/>
       </p:ext>
     </p:extLst>
   </p:cSld>
@@ -6590,6 +6512,353 @@
           <p:cNvPr id="2" name="Title 1">
             <a:extLst>
               <a:ext uri="{FF2B5EF4-FFF2-40B4-BE49-F238E27FC236}">
+                <a16:creationId xmlns:a16="http://schemas.microsoft.com/office/drawing/2014/main" id="{FCAB1F7E-C9C6-884D-91B6-4F7729F21F31}"/>
+              </a:ext>
+            </a:extLst>
+          </p:cNvPr>
+          <p:cNvSpPr>
+            <a:spLocks noGrp="1"/>
+          </p:cNvSpPr>
+          <p:nvPr>
+            <p:ph type="title"/>
+          </p:nvPr>
+        </p:nvSpPr>
+        <p:spPr/>
+        <p:txBody>
+          <a:bodyPr/>
+          <a:lstStyle/>
+          <a:p>
+            <a:r>
+              <a:rPr lang="en-US" dirty="0"/>
+              <a:t>Norm-setting</a:t>
+            </a:r>
+          </a:p>
+        </p:txBody>
+      </p:sp>
+      <p:sp>
+        <p:nvSpPr>
+          <p:cNvPr id="3" name="Content Placeholder 2">
+            <a:extLst>
+              <a:ext uri="{FF2B5EF4-FFF2-40B4-BE49-F238E27FC236}">
+                <a16:creationId xmlns:a16="http://schemas.microsoft.com/office/drawing/2014/main" id="{77537AC4-B7BF-0D45-8672-97275429407F}"/>
+              </a:ext>
+            </a:extLst>
+          </p:cNvPr>
+          <p:cNvSpPr>
+            <a:spLocks noGrp="1"/>
+          </p:cNvSpPr>
+          <p:nvPr>
+            <p:ph idx="1"/>
+          </p:nvPr>
+        </p:nvSpPr>
+        <p:spPr/>
+        <p:txBody>
+          <a:bodyPr/>
+          <a:lstStyle/>
+          <a:p>
+            <a:r>
+              <a:rPr lang="en-US" dirty="0"/>
+              <a:t>Tutorial languages at instructors discretion, but typically either Python or R</a:t>
+            </a:r>
+          </a:p>
+          <a:p>
+            <a:pPr lvl="1"/>
+            <a:r>
+              <a:rPr lang="en-US" dirty="0"/>
+              <a:t>Anaconda (Python): </a:t>
+            </a:r>
+            <a:r>
+              <a:rPr lang="en-US" dirty="0">
+                <a:hlinkClick r:id="rId2"/>
+              </a:rPr>
+              <a:t>http://continuum.io/blog/anaconda-python-3</a:t>
+            </a:r>
+            <a:r>
+              <a:rPr lang="en-US" dirty="0"/>
+              <a:t> </a:t>
+            </a:r>
+          </a:p>
+          <a:p>
+            <a:pPr lvl="1"/>
+            <a:r>
+              <a:rPr lang="en-US" dirty="0" err="1"/>
+              <a:t>RStudio</a:t>
+            </a:r>
+            <a:r>
+              <a:rPr lang="en-US" dirty="0"/>
+              <a:t> (R): </a:t>
+            </a:r>
+            <a:r>
+              <a:rPr lang="en-US" dirty="0">
+                <a:hlinkClick r:id="rId3"/>
+              </a:rPr>
+              <a:t>https://www.rstudio.com/</a:t>
+            </a:r>
+            <a:r>
+              <a:rPr lang="en-US" dirty="0"/>
+              <a:t> </a:t>
+            </a:r>
+          </a:p>
+        </p:txBody>
+      </p:sp>
+      <p:sp>
+        <p:nvSpPr>
+          <p:cNvPr id="4" name="Slide Number Placeholder 3">
+            <a:extLst>
+              <a:ext uri="{FF2B5EF4-FFF2-40B4-BE49-F238E27FC236}">
+                <a16:creationId xmlns:a16="http://schemas.microsoft.com/office/drawing/2014/main" id="{E7F357F0-5680-334D-9E7D-59AB663DD374}"/>
+              </a:ext>
+            </a:extLst>
+          </p:cNvPr>
+          <p:cNvSpPr>
+            <a:spLocks noGrp="1"/>
+          </p:cNvSpPr>
+          <p:nvPr>
+            <p:ph type="sldNum" sz="quarter" idx="12"/>
+          </p:nvPr>
+        </p:nvSpPr>
+        <p:spPr/>
+        <p:txBody>
+          <a:bodyPr/>
+          <a:lstStyle/>
+          <a:p>
+            <a:fld id="{D57F1E4F-1CFF-5643-939E-217C01CDF565}" type="slidenum">
+              <a:rPr lang="en-US" smtClean="0"/>
+              <a:pPr/>
+              <a:t>4</a:t>
+            </a:fld>
+            <a:endParaRPr lang="en-US" dirty="0"/>
+          </a:p>
+        </p:txBody>
+      </p:sp>
+    </p:spTree>
+    <p:extLst>
+      <p:ext uri="{BB962C8B-B14F-4D97-AF65-F5344CB8AC3E}">
+        <p14:creationId xmlns:p14="http://schemas.microsoft.com/office/powerpoint/2010/main" val="3275565762"/>
+      </p:ext>
+    </p:extLst>
+  </p:cSld>
+  <p:clrMapOvr>
+    <a:masterClrMapping/>
+  </p:clrMapOvr>
+</p:sld>
+</file>
+
+<file path=ppt/slides/slide6.xml><?xml version="1.0" encoding="utf-8"?>
+<p:sld xmlns:a="http://schemas.openxmlformats.org/drawingml/2006/main" xmlns:r="http://schemas.openxmlformats.org/officeDocument/2006/relationships" xmlns:p="http://schemas.openxmlformats.org/presentationml/2006/main">
+  <p:cSld>
+    <p:spTree>
+      <p:nvGrpSpPr>
+        <p:cNvPr id="1" name=""/>
+        <p:cNvGrpSpPr/>
+        <p:nvPr/>
+      </p:nvGrpSpPr>
+      <p:grpSpPr>
+        <a:xfrm>
+          <a:off x="0" y="0"/>
+          <a:ext cx="0" cy="0"/>
+          <a:chOff x="0" y="0"/>
+          <a:chExt cx="0" cy="0"/>
+        </a:xfrm>
+      </p:grpSpPr>
+      <p:sp>
+        <p:nvSpPr>
+          <p:cNvPr id="2" name="Title 1">
+            <a:extLst>
+              <a:ext uri="{FF2B5EF4-FFF2-40B4-BE49-F238E27FC236}">
+                <a16:creationId xmlns:a16="http://schemas.microsoft.com/office/drawing/2014/main" id="{BE36C33C-4A90-1F48-AAE8-FDE5A1230D6E}"/>
+              </a:ext>
+            </a:extLst>
+          </p:cNvPr>
+          <p:cNvSpPr>
+            <a:spLocks noGrp="1"/>
+          </p:cNvSpPr>
+          <p:nvPr>
+            <p:ph type="title"/>
+          </p:nvPr>
+        </p:nvSpPr>
+        <p:spPr/>
+        <p:txBody>
+          <a:bodyPr/>
+          <a:lstStyle/>
+          <a:p>
+            <a:r>
+              <a:rPr lang="en-US" dirty="0" err="1"/>
+              <a:t>Deen</a:t>
+            </a:r>
+            <a:r>
+              <a:rPr lang="en-US" dirty="0"/>
+              <a:t> </a:t>
+            </a:r>
+            <a:r>
+              <a:rPr lang="en-US" dirty="0" err="1"/>
+              <a:t>Freelon</a:t>
+            </a:r>
+            <a:r>
+              <a:rPr lang="en-US" dirty="0"/>
+              <a:t> on the “Post-API Era”</a:t>
+            </a:r>
+          </a:p>
+        </p:txBody>
+      </p:sp>
+      <p:sp>
+        <p:nvSpPr>
+          <p:cNvPr id="3" name="Content Placeholder 2">
+            <a:extLst>
+              <a:ext uri="{FF2B5EF4-FFF2-40B4-BE49-F238E27FC236}">
+                <a16:creationId xmlns:a16="http://schemas.microsoft.com/office/drawing/2014/main" id="{490FB201-9B3B-6D48-B1E1-C34B822F9E32}"/>
+              </a:ext>
+            </a:extLst>
+          </p:cNvPr>
+          <p:cNvSpPr>
+            <a:spLocks noGrp="1"/>
+          </p:cNvSpPr>
+          <p:nvPr>
+            <p:ph idx="1"/>
+          </p:nvPr>
+        </p:nvSpPr>
+        <p:spPr/>
+        <p:txBody>
+          <a:bodyPr/>
+          <a:lstStyle/>
+          <a:p>
+            <a:r>
+              <a:rPr lang="en-US" dirty="0"/>
+              <a:t>Social Media &amp; Politics podcast, Episode 53 (August 12, 2018): </a:t>
+            </a:r>
+          </a:p>
+          <a:p>
+            <a:pPr lvl="1"/>
+            <a:r>
+              <a:rPr lang="en-US" dirty="0">
+                <a:hlinkClick r:id="rId2"/>
+              </a:rPr>
+              <a:t>https://socialmediaandpolitics.org/53-digital-methods-post-api-era-deen-freelon/</a:t>
+            </a:r>
+            <a:r>
+              <a:rPr lang="en-US" dirty="0"/>
+              <a:t> </a:t>
+            </a:r>
+          </a:p>
+          <a:p>
+            <a:pPr lvl="1"/>
+            <a:endParaRPr lang="en-US" dirty="0"/>
+          </a:p>
+          <a:p>
+            <a:r>
+              <a:rPr lang="en-US" dirty="0"/>
+              <a:t>Social media platform API access is being severely curtailed following Cambridge Analytica, </a:t>
+            </a:r>
+            <a:r>
+              <a:rPr lang="en-US" i="1" dirty="0"/>
+              <a:t>et al</a:t>
+            </a:r>
+            <a:r>
+              <a:rPr lang="en-US" dirty="0"/>
+              <a:t>. scandals</a:t>
+            </a:r>
+          </a:p>
+          <a:p>
+            <a:pPr lvl="1"/>
+            <a:r>
+              <a:rPr lang="en-US" dirty="0"/>
+              <a:t>Facebook: </a:t>
+            </a:r>
+            <a:r>
+              <a:rPr lang="en-US" dirty="0">
+                <a:hlinkClick r:id="rId3"/>
+              </a:rPr>
+              <a:t>https://newsroom.fb.com/news/2018/07/a-platform-update/</a:t>
+            </a:r>
+            <a:r>
+              <a:rPr lang="en-US" dirty="0"/>
+              <a:t> </a:t>
+            </a:r>
+          </a:p>
+          <a:p>
+            <a:pPr lvl="1"/>
+            <a:r>
+              <a:rPr lang="en-US" dirty="0"/>
+              <a:t>Twitter: </a:t>
+            </a:r>
+            <a:r>
+              <a:rPr lang="en-US" dirty="0">
+                <a:hlinkClick r:id="rId4"/>
+              </a:rPr>
+              <a:t>https://blog.twitter.com/developer/en_us/topics/tools/2018/new-developer-requirements-to-protect-our-platform.html</a:t>
+            </a:r>
+            <a:r>
+              <a:rPr lang="en-US" dirty="0"/>
+              <a:t> </a:t>
+            </a:r>
+          </a:p>
+        </p:txBody>
+      </p:sp>
+      <p:sp>
+        <p:nvSpPr>
+          <p:cNvPr id="4" name="Slide Number Placeholder 3">
+            <a:extLst>
+              <a:ext uri="{FF2B5EF4-FFF2-40B4-BE49-F238E27FC236}">
+                <a16:creationId xmlns:a16="http://schemas.microsoft.com/office/drawing/2014/main" id="{C735986F-38A9-A146-8300-F5B94C892A5D}"/>
+              </a:ext>
+            </a:extLst>
+          </p:cNvPr>
+          <p:cNvSpPr>
+            <a:spLocks noGrp="1"/>
+          </p:cNvSpPr>
+          <p:nvPr>
+            <p:ph type="sldNum" sz="quarter" idx="12"/>
+          </p:nvPr>
+        </p:nvSpPr>
+        <p:spPr/>
+        <p:txBody>
+          <a:bodyPr/>
+          <a:lstStyle/>
+          <a:p>
+            <a:fld id="{D57F1E4F-1CFF-5643-939E-217C01CDF565}" type="slidenum">
+              <a:rPr lang="en-US" smtClean="0"/>
+              <a:pPr/>
+              <a:t>5</a:t>
+            </a:fld>
+            <a:endParaRPr lang="en-US" dirty="0"/>
+          </a:p>
+        </p:txBody>
+      </p:sp>
+    </p:spTree>
+    <p:extLst>
+      <p:ext uri="{BB962C8B-B14F-4D97-AF65-F5344CB8AC3E}">
+        <p14:creationId xmlns:p14="http://schemas.microsoft.com/office/powerpoint/2010/main" val="2625148690"/>
+      </p:ext>
+    </p:extLst>
+  </p:cSld>
+  <p:clrMapOvr>
+    <a:masterClrMapping/>
+  </p:clrMapOvr>
+</p:sld>
+</file>
+
+<file path=ppt/slides/slide7.xml><?xml version="1.0" encoding="utf-8"?>
+<p:sld xmlns:a="http://schemas.openxmlformats.org/drawingml/2006/main" xmlns:r="http://schemas.openxmlformats.org/officeDocument/2006/relationships" xmlns:p="http://schemas.openxmlformats.org/presentationml/2006/main">
+  <p:cSld>
+    <p:spTree>
+      <p:nvGrpSpPr>
+        <p:cNvPr id="1" name=""/>
+        <p:cNvGrpSpPr/>
+        <p:nvPr/>
+      </p:nvGrpSpPr>
+      <p:grpSpPr>
+        <a:xfrm>
+          <a:off x="0" y="0"/>
+          <a:ext cx="0" cy="0"/>
+          <a:chOff x="0" y="0"/>
+          <a:chExt cx="0" cy="0"/>
+        </a:xfrm>
+      </p:grpSpPr>
+      <p:sp>
+        <p:nvSpPr>
+          <p:cNvPr id="2" name="Title 1">
+            <a:extLst>
+              <a:ext uri="{FF2B5EF4-FFF2-40B4-BE49-F238E27FC236}">
                 <a16:creationId xmlns:a16="http://schemas.microsoft.com/office/drawing/2014/main" id="{6C6AE2D6-7B45-434A-A65F-5CB13609A9AC}"/>
               </a:ext>
             </a:extLst>
@@ -6701,7 +6970,7 @@
             <a:fld id="{D57F1E4F-1CFF-5643-939E-217C01CDF565}" type="slidenum">
               <a:rPr lang="en-US" smtClean="0"/>
               <a:pPr/>
-              <a:t>4</a:t>
+              <a:t>6</a:t>
             </a:fld>
             <a:endParaRPr lang="en-US" dirty="0"/>
           </a:p>
